--- a/GitHubを利用した開発練習/GitHubを利用した開発練習.pptx
+++ b/GitHubを利用した開発練習/GitHubを利用した開発練習.pptx
@@ -5,7 +5,7 @@
     <p:sldMasterId id="2147483648" r:id="rId1"/>
   </p:sldMasterIdLst>
   <p:notesMasterIdLst>
-    <p:notesMasterId r:id="rId17"/>
+    <p:notesMasterId r:id="rId22"/>
   </p:notesMasterIdLst>
   <p:sldIdLst>
     <p:sldId id="256" r:id="rId2"/>
@@ -23,6 +23,11 @@
     <p:sldId id="268" r:id="rId14"/>
     <p:sldId id="269" r:id="rId15"/>
     <p:sldId id="270" r:id="rId16"/>
+    <p:sldId id="271" r:id="rId17"/>
+    <p:sldId id="272" r:id="rId18"/>
+    <p:sldId id="273" r:id="rId19"/>
+    <p:sldId id="274" r:id="rId20"/>
+    <p:sldId id="275" r:id="rId21"/>
   </p:sldIdLst>
   <p:sldSz cx="12192000" cy="6858000"/>
   <p:notesSz cx="6858000" cy="9144000"/>
@@ -764,6 +769,174 @@
     <p:extLst>
       <p:ext uri="{BB962C8B-B14F-4D97-AF65-F5344CB8AC3E}">
         <p14:creationId xmlns:p14="http://schemas.microsoft.com/office/powerpoint/2010/main" val="1891828164"/>
+      </p:ext>
+    </p:extLst>
+  </p:cSld>
+  <p:clrMapOvr>
+    <a:masterClrMapping/>
+  </p:clrMapOvr>
+</p:notes>
+</file>
+
+<file path=ppt/notesSlides/notesSlide4.xml><?xml version="1.0" encoding="utf-8"?>
+<p:notes xmlns:a="http://schemas.openxmlformats.org/drawingml/2006/main" xmlns:r="http://schemas.openxmlformats.org/officeDocument/2006/relationships" xmlns:p="http://schemas.openxmlformats.org/presentationml/2006/main">
+  <p:cSld>
+    <p:spTree>
+      <p:nvGrpSpPr>
+        <p:cNvPr id="1" name=""/>
+        <p:cNvGrpSpPr/>
+        <p:nvPr/>
+      </p:nvGrpSpPr>
+      <p:grpSpPr>
+        <a:xfrm>
+          <a:off x="0" y="0"/>
+          <a:ext cx="0" cy="0"/>
+          <a:chOff x="0" y="0"/>
+          <a:chExt cx="0" cy="0"/>
+        </a:xfrm>
+      </p:grpSpPr>
+      <p:sp>
+        <p:nvSpPr>
+          <p:cNvPr id="2" name="スライド イメージ プレースホルダー 1"/>
+          <p:cNvSpPr>
+            <a:spLocks noGrp="1" noRot="1" noChangeAspect="1"/>
+          </p:cNvSpPr>
+          <p:nvPr>
+            <p:ph type="sldImg"/>
+          </p:nvPr>
+        </p:nvSpPr>
+        <p:spPr/>
+      </p:sp>
+      <p:sp>
+        <p:nvSpPr>
+          <p:cNvPr id="3" name="ノート プレースホルダー 2"/>
+          <p:cNvSpPr>
+            <a:spLocks noGrp="1"/>
+          </p:cNvSpPr>
+          <p:nvPr>
+            <p:ph type="body" idx="1"/>
+          </p:nvPr>
+        </p:nvSpPr>
+        <p:spPr/>
+        <p:txBody>
+          <a:bodyPr/>
+          <a:lstStyle/>
+          <a:p>
+            <a:endParaRPr kumimoji="1" lang="ja-JP" altLang="en-US" dirty="0"/>
+          </a:p>
+        </p:txBody>
+      </p:sp>
+      <p:sp>
+        <p:nvSpPr>
+          <p:cNvPr id="4" name="スライド番号プレースホルダー 3"/>
+          <p:cNvSpPr>
+            <a:spLocks noGrp="1"/>
+          </p:cNvSpPr>
+          <p:nvPr>
+            <p:ph type="sldNum" sz="quarter" idx="5"/>
+          </p:nvPr>
+        </p:nvSpPr>
+        <p:spPr/>
+        <p:txBody>
+          <a:bodyPr/>
+          <a:lstStyle/>
+          <a:p>
+            <a:fld id="{5387E3CE-977F-4CEB-AC40-C485A38E4220}" type="slidenum">
+              <a:rPr kumimoji="1" lang="ja-JP" altLang="en-US" smtClean="0"/>
+              <a:t>17</a:t>
+            </a:fld>
+            <a:endParaRPr kumimoji="1" lang="ja-JP" altLang="en-US"/>
+          </a:p>
+        </p:txBody>
+      </p:sp>
+    </p:spTree>
+    <p:extLst>
+      <p:ext uri="{BB962C8B-B14F-4D97-AF65-F5344CB8AC3E}">
+        <p14:creationId xmlns:p14="http://schemas.microsoft.com/office/powerpoint/2010/main" val="3276163471"/>
+      </p:ext>
+    </p:extLst>
+  </p:cSld>
+  <p:clrMapOvr>
+    <a:masterClrMapping/>
+  </p:clrMapOvr>
+</p:notes>
+</file>
+
+<file path=ppt/notesSlides/notesSlide5.xml><?xml version="1.0" encoding="utf-8"?>
+<p:notes xmlns:a="http://schemas.openxmlformats.org/drawingml/2006/main" xmlns:r="http://schemas.openxmlformats.org/officeDocument/2006/relationships" xmlns:p="http://schemas.openxmlformats.org/presentationml/2006/main">
+  <p:cSld>
+    <p:spTree>
+      <p:nvGrpSpPr>
+        <p:cNvPr id="1" name=""/>
+        <p:cNvGrpSpPr/>
+        <p:nvPr/>
+      </p:nvGrpSpPr>
+      <p:grpSpPr>
+        <a:xfrm>
+          <a:off x="0" y="0"/>
+          <a:ext cx="0" cy="0"/>
+          <a:chOff x="0" y="0"/>
+          <a:chExt cx="0" cy="0"/>
+        </a:xfrm>
+      </p:grpSpPr>
+      <p:sp>
+        <p:nvSpPr>
+          <p:cNvPr id="2" name="スライド イメージ プレースホルダー 1"/>
+          <p:cNvSpPr>
+            <a:spLocks noGrp="1" noRot="1" noChangeAspect="1"/>
+          </p:cNvSpPr>
+          <p:nvPr>
+            <p:ph type="sldImg"/>
+          </p:nvPr>
+        </p:nvSpPr>
+        <p:spPr/>
+      </p:sp>
+      <p:sp>
+        <p:nvSpPr>
+          <p:cNvPr id="3" name="ノート プレースホルダー 2"/>
+          <p:cNvSpPr>
+            <a:spLocks noGrp="1"/>
+          </p:cNvSpPr>
+          <p:nvPr>
+            <p:ph type="body" idx="1"/>
+          </p:nvPr>
+        </p:nvSpPr>
+        <p:spPr/>
+        <p:txBody>
+          <a:bodyPr/>
+          <a:lstStyle/>
+          <a:p>
+            <a:endParaRPr kumimoji="1" lang="ja-JP" altLang="en-US" dirty="0"/>
+          </a:p>
+        </p:txBody>
+      </p:sp>
+      <p:sp>
+        <p:nvSpPr>
+          <p:cNvPr id="4" name="スライド番号プレースホルダー 3"/>
+          <p:cNvSpPr>
+            <a:spLocks noGrp="1"/>
+          </p:cNvSpPr>
+          <p:nvPr>
+            <p:ph type="sldNum" sz="quarter" idx="5"/>
+          </p:nvPr>
+        </p:nvSpPr>
+        <p:spPr/>
+        <p:txBody>
+          <a:bodyPr/>
+          <a:lstStyle/>
+          <a:p>
+            <a:fld id="{5387E3CE-977F-4CEB-AC40-C485A38E4220}" type="slidenum">
+              <a:rPr kumimoji="1" lang="ja-JP" altLang="en-US" smtClean="0"/>
+              <a:t>19</a:t>
+            </a:fld>
+            <a:endParaRPr kumimoji="1" lang="ja-JP" altLang="en-US"/>
+          </a:p>
+        </p:txBody>
+      </p:sp>
+    </p:spTree>
+    <p:extLst>
+      <p:ext uri="{BB962C8B-B14F-4D97-AF65-F5344CB8AC3E}">
+        <p14:creationId xmlns:p14="http://schemas.microsoft.com/office/powerpoint/2010/main" val="4056117001"/>
       </p:ext>
     </p:extLst>
   </p:cSld>
@@ -6496,6 +6669,1385 @@
 </p:sld>
 </file>
 
+<file path=ppt/slides/slide16.xml><?xml version="1.0" encoding="utf-8"?>
+<p:sld xmlns:a="http://schemas.openxmlformats.org/drawingml/2006/main" xmlns:r="http://schemas.openxmlformats.org/officeDocument/2006/relationships" xmlns:p="http://schemas.openxmlformats.org/presentationml/2006/main">
+  <p:cSld>
+    <p:spTree>
+      <p:nvGrpSpPr>
+        <p:cNvPr id="1" name=""/>
+        <p:cNvGrpSpPr/>
+        <p:nvPr/>
+      </p:nvGrpSpPr>
+      <p:grpSpPr>
+        <a:xfrm>
+          <a:off x="0" y="0"/>
+          <a:ext cx="0" cy="0"/>
+          <a:chOff x="0" y="0"/>
+          <a:chExt cx="0" cy="0"/>
+        </a:xfrm>
+      </p:grpSpPr>
+      <p:sp>
+        <p:nvSpPr>
+          <p:cNvPr id="2" name="タイトル 1">
+            <a:extLst>
+              <a:ext uri="{FF2B5EF4-FFF2-40B4-BE49-F238E27FC236}">
+                <a16:creationId xmlns:a16="http://schemas.microsoft.com/office/drawing/2014/main" id="{734B9EA8-89A4-E138-3C2C-92CE275DA62A}"/>
+              </a:ext>
+            </a:extLst>
+          </p:cNvPr>
+          <p:cNvSpPr>
+            <a:spLocks noGrp="1"/>
+          </p:cNvSpPr>
+          <p:nvPr>
+            <p:ph type="title"/>
+          </p:nvPr>
+        </p:nvSpPr>
+        <p:spPr/>
+        <p:txBody>
+          <a:bodyPr/>
+          <a:lstStyle/>
+          <a:p>
+            <a:r>
+              <a:rPr lang="ja-JP" altLang="en-US" dirty="0"/>
+              <a:t>フォーク元に対するフェッチ ①</a:t>
+            </a:r>
+            <a:endParaRPr kumimoji="1" lang="ja-JP" altLang="en-US" dirty="0"/>
+          </a:p>
+        </p:txBody>
+      </p:sp>
+      <p:sp>
+        <p:nvSpPr>
+          <p:cNvPr id="10" name="テキスト ボックス 9">
+            <a:extLst>
+              <a:ext uri="{FF2B5EF4-FFF2-40B4-BE49-F238E27FC236}">
+                <a16:creationId xmlns:a16="http://schemas.microsoft.com/office/drawing/2014/main" id="{501C46E1-2D41-9FCF-48E2-CDBC38168654}"/>
+              </a:ext>
+            </a:extLst>
+          </p:cNvPr>
+          <p:cNvSpPr txBox="1"/>
+          <p:nvPr/>
+        </p:nvSpPr>
+        <p:spPr>
+          <a:xfrm>
+            <a:off x="838199" y="1156135"/>
+            <a:ext cx="10515600" cy="1200329"/>
+          </a:xfrm>
+          <a:prstGeom prst="rect">
+            <a:avLst/>
+          </a:prstGeom>
+          <a:noFill/>
+        </p:spPr>
+        <p:txBody>
+          <a:bodyPr wrap="square">
+            <a:spAutoFit/>
+          </a:bodyPr>
+          <a:lstStyle/>
+          <a:p>
+            <a:r>
+              <a:rPr lang="ja-JP" altLang="en-US" sz="2400" dirty="0"/>
+              <a:t>フォーク元のリポジトリに変更が行われた場合はローカルのリポジトリ上でフェッチを行う。変更をマージした上で自分のリポジトリにプッシュして、同じ変更を反映させる。</a:t>
+            </a:r>
+            <a:endParaRPr lang="en-US" altLang="ja-JP" sz="2400" dirty="0"/>
+          </a:p>
+        </p:txBody>
+      </p:sp>
+      <p:grpSp>
+        <p:nvGrpSpPr>
+          <p:cNvPr id="12" name="グループ化 11">
+            <a:extLst>
+              <a:ext uri="{FF2B5EF4-FFF2-40B4-BE49-F238E27FC236}">
+                <a16:creationId xmlns:a16="http://schemas.microsoft.com/office/drawing/2014/main" id="{0CC4556A-F0ED-3ED4-7CDB-A02723B7B961}"/>
+              </a:ext>
+            </a:extLst>
+          </p:cNvPr>
+          <p:cNvGrpSpPr/>
+          <p:nvPr/>
+        </p:nvGrpSpPr>
+        <p:grpSpPr>
+          <a:xfrm>
+            <a:off x="942702" y="2366092"/>
+            <a:ext cx="6456642" cy="4217588"/>
+            <a:chOff x="942702" y="2366092"/>
+            <a:chExt cx="5928361" cy="3872506"/>
+          </a:xfrm>
+        </p:grpSpPr>
+        <p:pic>
+          <p:nvPicPr>
+            <p:cNvPr id="6" name="図 5">
+              <a:extLst>
+                <a:ext uri="{FF2B5EF4-FFF2-40B4-BE49-F238E27FC236}">
+                  <a16:creationId xmlns:a16="http://schemas.microsoft.com/office/drawing/2014/main" id="{D97CD13D-9F85-8127-E16A-4D1847D4C58C}"/>
+                </a:ext>
+              </a:extLst>
+            </p:cNvPr>
+            <p:cNvPicPr>
+              <a:picLocks noChangeAspect="1"/>
+            </p:cNvPicPr>
+            <p:nvPr/>
+          </p:nvPicPr>
+          <p:blipFill>
+            <a:blip r:embed="rId2">
+              <a:extLst>
+                <a:ext uri="{28A0092B-C50C-407E-A947-70E740481C1C}">
+                  <a14:useLocalDpi xmlns:a14="http://schemas.microsoft.com/office/drawing/2010/main" val="0"/>
+                </a:ext>
+              </a:extLst>
+            </a:blip>
+            <a:stretch>
+              <a:fillRect/>
+            </a:stretch>
+          </p:blipFill>
+          <p:spPr>
+            <a:xfrm>
+              <a:off x="942702" y="2366092"/>
+              <a:ext cx="5928361" cy="3872506"/>
+            </a:xfrm>
+            <a:prstGeom prst="rect">
+              <a:avLst/>
+            </a:prstGeom>
+          </p:spPr>
+        </p:pic>
+        <p:sp>
+          <p:nvSpPr>
+            <p:cNvPr id="8" name="四角形: 角を丸くする 7">
+              <a:extLst>
+                <a:ext uri="{FF2B5EF4-FFF2-40B4-BE49-F238E27FC236}">
+                  <a16:creationId xmlns:a16="http://schemas.microsoft.com/office/drawing/2014/main" id="{FA74B71F-5295-0813-8E67-F6CCC4675504}"/>
+                </a:ext>
+              </a:extLst>
+            </p:cNvPr>
+            <p:cNvSpPr/>
+            <p:nvPr/>
+          </p:nvSpPr>
+          <p:spPr>
+            <a:xfrm rot="1770781" flipV="1">
+              <a:off x="2697797" y="4284412"/>
+              <a:ext cx="2868157" cy="407637"/>
+            </a:xfrm>
+            <a:prstGeom prst="roundRect">
+              <a:avLst>
+                <a:gd name="adj" fmla="val 50000"/>
+              </a:avLst>
+            </a:prstGeom>
+            <a:noFill/>
+            <a:ln w="38100">
+              <a:solidFill>
+                <a:srgbClr val="FF0000"/>
+              </a:solidFill>
+            </a:ln>
+          </p:spPr>
+          <p:style>
+            <a:lnRef idx="2">
+              <a:schemeClr val="accent1">
+                <a:shade val="15000"/>
+              </a:schemeClr>
+            </a:lnRef>
+            <a:fillRef idx="1">
+              <a:schemeClr val="accent1"/>
+            </a:fillRef>
+            <a:effectRef idx="0">
+              <a:schemeClr val="accent1"/>
+            </a:effectRef>
+            <a:fontRef idx="minor">
+              <a:schemeClr val="lt1"/>
+            </a:fontRef>
+          </p:style>
+          <p:txBody>
+            <a:bodyPr rtlCol="0" anchor="ctr"/>
+            <a:lstStyle/>
+            <a:p>
+              <a:pPr algn="ctr"/>
+              <a:endParaRPr kumimoji="1" lang="ja-JP" altLang="en-US"/>
+            </a:p>
+          </p:txBody>
+        </p:sp>
+        <p:sp>
+          <p:nvSpPr>
+            <p:cNvPr id="9" name="テキスト ボックス 8">
+              <a:extLst>
+                <a:ext uri="{FF2B5EF4-FFF2-40B4-BE49-F238E27FC236}">
+                  <a16:creationId xmlns:a16="http://schemas.microsoft.com/office/drawing/2014/main" id="{0EF5657C-1B43-4478-8F02-E5F529917396}"/>
+                </a:ext>
+              </a:extLst>
+            </p:cNvPr>
+            <p:cNvSpPr txBox="1"/>
+            <p:nvPr/>
+          </p:nvSpPr>
+          <p:spPr>
+            <a:xfrm>
+              <a:off x="1392688" y="3840680"/>
+              <a:ext cx="1658139" cy="461665"/>
+            </a:xfrm>
+            <a:prstGeom prst="rect">
+              <a:avLst/>
+            </a:prstGeom>
+            <a:noFill/>
+          </p:spPr>
+          <p:txBody>
+            <a:bodyPr wrap="square">
+              <a:spAutoFit/>
+            </a:bodyPr>
+            <a:lstStyle/>
+            <a:p>
+              <a:r>
+                <a:rPr lang="ja-JP" altLang="en-US" sz="2400" b="1" dirty="0">
+                  <a:solidFill>
+                    <a:srgbClr val="FF0000"/>
+                  </a:solidFill>
+                </a:rPr>
+                <a:t>この部分</a:t>
+              </a:r>
+            </a:p>
+          </p:txBody>
+        </p:sp>
+        <p:sp>
+          <p:nvSpPr>
+            <p:cNvPr id="11" name="四角形: 角を丸くする 10">
+              <a:extLst>
+                <a:ext uri="{FF2B5EF4-FFF2-40B4-BE49-F238E27FC236}">
+                  <a16:creationId xmlns:a16="http://schemas.microsoft.com/office/drawing/2014/main" id="{18C3FEA4-CECA-EFFB-6C87-9E2512E53224}"/>
+                </a:ext>
+              </a:extLst>
+            </p:cNvPr>
+            <p:cNvSpPr/>
+            <p:nvPr/>
+          </p:nvSpPr>
+          <p:spPr>
+            <a:xfrm rot="5400000" flipV="1">
+              <a:off x="5335582" y="4273133"/>
+              <a:ext cx="1192874" cy="327968"/>
+            </a:xfrm>
+            <a:prstGeom prst="roundRect">
+              <a:avLst>
+                <a:gd name="adj" fmla="val 50000"/>
+              </a:avLst>
+            </a:prstGeom>
+            <a:noFill/>
+            <a:ln w="38100">
+              <a:solidFill>
+                <a:srgbClr val="FF0000"/>
+              </a:solidFill>
+            </a:ln>
+          </p:spPr>
+          <p:style>
+            <a:lnRef idx="2">
+              <a:schemeClr val="accent1">
+                <a:shade val="15000"/>
+              </a:schemeClr>
+            </a:lnRef>
+            <a:fillRef idx="1">
+              <a:schemeClr val="accent1"/>
+            </a:fillRef>
+            <a:effectRef idx="0">
+              <a:schemeClr val="accent1"/>
+            </a:effectRef>
+            <a:fontRef idx="minor">
+              <a:schemeClr val="lt1"/>
+            </a:fontRef>
+          </p:style>
+          <p:txBody>
+            <a:bodyPr rtlCol="0" anchor="ctr"/>
+            <a:lstStyle/>
+            <a:p>
+              <a:pPr algn="ctr"/>
+              <a:endParaRPr kumimoji="1" lang="ja-JP" altLang="en-US"/>
+            </a:p>
+          </p:txBody>
+        </p:sp>
+      </p:grpSp>
+    </p:spTree>
+    <p:extLst>
+      <p:ext uri="{BB962C8B-B14F-4D97-AF65-F5344CB8AC3E}">
+        <p14:creationId xmlns:p14="http://schemas.microsoft.com/office/powerpoint/2010/main" val="4020256526"/>
+      </p:ext>
+    </p:extLst>
+  </p:cSld>
+  <p:clrMapOvr>
+    <a:masterClrMapping/>
+  </p:clrMapOvr>
+</p:sld>
+</file>
+
+<file path=ppt/slides/slide17.xml><?xml version="1.0" encoding="utf-8"?>
+<p:sld xmlns:a="http://schemas.openxmlformats.org/drawingml/2006/main" xmlns:r="http://schemas.openxmlformats.org/officeDocument/2006/relationships" xmlns:p="http://schemas.openxmlformats.org/presentationml/2006/main">
+  <p:cSld>
+    <p:spTree>
+      <p:nvGrpSpPr>
+        <p:cNvPr id="1" name=""/>
+        <p:cNvGrpSpPr/>
+        <p:nvPr/>
+      </p:nvGrpSpPr>
+      <p:grpSpPr>
+        <a:xfrm>
+          <a:off x="0" y="0"/>
+          <a:ext cx="0" cy="0"/>
+          <a:chOff x="0" y="0"/>
+          <a:chExt cx="0" cy="0"/>
+        </a:xfrm>
+      </p:grpSpPr>
+      <p:sp>
+        <p:nvSpPr>
+          <p:cNvPr id="2" name="タイトル 1">
+            <a:extLst>
+              <a:ext uri="{FF2B5EF4-FFF2-40B4-BE49-F238E27FC236}">
+                <a16:creationId xmlns:a16="http://schemas.microsoft.com/office/drawing/2014/main" id="{D29BE47F-5AB5-E416-1D6B-B9A93B2C1320}"/>
+              </a:ext>
+            </a:extLst>
+          </p:cNvPr>
+          <p:cNvSpPr>
+            <a:spLocks noGrp="1"/>
+          </p:cNvSpPr>
+          <p:nvPr>
+            <p:ph type="title"/>
+          </p:nvPr>
+        </p:nvSpPr>
+        <p:spPr/>
+        <p:txBody>
+          <a:bodyPr/>
+          <a:lstStyle/>
+          <a:p>
+            <a:r>
+              <a:rPr lang="ja-JP" altLang="en-US" dirty="0"/>
+              <a:t>フォーク元に対するフェッチ ➁</a:t>
+            </a:r>
+            <a:endParaRPr kumimoji="1" lang="ja-JP" altLang="en-US" dirty="0"/>
+          </a:p>
+        </p:txBody>
+      </p:sp>
+      <p:pic>
+        <p:nvPicPr>
+          <p:cNvPr id="6" name="図 5">
+            <a:extLst>
+              <a:ext uri="{FF2B5EF4-FFF2-40B4-BE49-F238E27FC236}">
+                <a16:creationId xmlns:a16="http://schemas.microsoft.com/office/drawing/2014/main" id="{A9FBCA45-2F37-1CCB-BAEE-CBA11540CC81}"/>
+              </a:ext>
+            </a:extLst>
+          </p:cNvPr>
+          <p:cNvPicPr>
+            <a:picLocks noChangeAspect="1"/>
+          </p:cNvPicPr>
+          <p:nvPr/>
+        </p:nvPicPr>
+        <p:blipFill>
+          <a:blip r:embed="rId3">
+            <a:extLst>
+              <a:ext uri="{28A0092B-C50C-407E-A947-70E740481C1C}">
+                <a14:useLocalDpi xmlns:a14="http://schemas.microsoft.com/office/drawing/2010/main" val="0"/>
+              </a:ext>
+            </a:extLst>
+          </a:blip>
+          <a:srcRect r="38704"/>
+          <a:stretch/>
+        </p:blipFill>
+        <p:spPr>
+          <a:xfrm>
+            <a:off x="575770" y="1459320"/>
+            <a:ext cx="4113799" cy="5015548"/>
+          </a:xfrm>
+          <a:prstGeom prst="rect">
+            <a:avLst/>
+          </a:prstGeom>
+        </p:spPr>
+      </p:pic>
+      <p:pic>
+        <p:nvPicPr>
+          <p:cNvPr id="8" name="図 7">
+            <a:extLst>
+              <a:ext uri="{FF2B5EF4-FFF2-40B4-BE49-F238E27FC236}">
+                <a16:creationId xmlns:a16="http://schemas.microsoft.com/office/drawing/2014/main" id="{74F2EECD-F5C6-9EF6-BE74-672609C87805}"/>
+              </a:ext>
+            </a:extLst>
+          </p:cNvPr>
+          <p:cNvPicPr>
+            <a:picLocks noChangeAspect="1"/>
+          </p:cNvPicPr>
+          <p:nvPr/>
+        </p:nvPicPr>
+        <p:blipFill>
+          <a:blip r:embed="rId4">
+            <a:extLst>
+              <a:ext uri="{28A0092B-C50C-407E-A947-70E740481C1C}">
+                <a14:useLocalDpi xmlns:a14="http://schemas.microsoft.com/office/drawing/2010/main" val="0"/>
+              </a:ext>
+            </a:extLst>
+          </a:blip>
+          <a:srcRect l="18452" r="16928" b="69765"/>
+          <a:stretch/>
+        </p:blipFill>
+        <p:spPr>
+          <a:xfrm>
+            <a:off x="5538650" y="1459319"/>
+            <a:ext cx="5612923" cy="1969681"/>
+          </a:xfrm>
+          <a:prstGeom prst="rect">
+            <a:avLst/>
+          </a:prstGeom>
+        </p:spPr>
+      </p:pic>
+      <p:sp>
+        <p:nvSpPr>
+          <p:cNvPr id="9" name="正方形/長方形 8">
+            <a:extLst>
+              <a:ext uri="{FF2B5EF4-FFF2-40B4-BE49-F238E27FC236}">
+                <a16:creationId xmlns:a16="http://schemas.microsoft.com/office/drawing/2014/main" id="{C238D51D-3EB2-6BCB-78A8-EC7462872226}"/>
+              </a:ext>
+            </a:extLst>
+          </p:cNvPr>
+          <p:cNvSpPr/>
+          <p:nvPr/>
+        </p:nvSpPr>
+        <p:spPr>
+          <a:xfrm>
+            <a:off x="2731956" y="1914409"/>
+            <a:ext cx="187593" cy="140814"/>
+          </a:xfrm>
+          <a:prstGeom prst="rect">
+            <a:avLst/>
+          </a:prstGeom>
+          <a:noFill/>
+          <a:ln w="28575">
+            <a:solidFill>
+              <a:srgbClr val="FF0000"/>
+            </a:solidFill>
+          </a:ln>
+        </p:spPr>
+        <p:style>
+          <a:lnRef idx="2">
+            <a:schemeClr val="accent1">
+              <a:shade val="15000"/>
+            </a:schemeClr>
+          </a:lnRef>
+          <a:fillRef idx="1">
+            <a:schemeClr val="accent1"/>
+          </a:fillRef>
+          <a:effectRef idx="0">
+            <a:schemeClr val="accent1"/>
+          </a:effectRef>
+          <a:fontRef idx="minor">
+            <a:schemeClr val="lt1"/>
+          </a:fontRef>
+        </p:style>
+        <p:txBody>
+          <a:bodyPr rtlCol="0" anchor="ctr"/>
+          <a:lstStyle/>
+          <a:p>
+            <a:pPr algn="ctr"/>
+            <a:endParaRPr kumimoji="1" lang="ja-JP" altLang="en-US" dirty="0"/>
+          </a:p>
+        </p:txBody>
+      </p:sp>
+      <p:sp>
+        <p:nvSpPr>
+          <p:cNvPr id="10" name="正方形/長方形 9">
+            <a:extLst>
+              <a:ext uri="{FF2B5EF4-FFF2-40B4-BE49-F238E27FC236}">
+                <a16:creationId xmlns:a16="http://schemas.microsoft.com/office/drawing/2014/main" id="{FC3BAE8B-87FA-D6C9-6758-B1C00E350AD6}"/>
+              </a:ext>
+            </a:extLst>
+          </p:cNvPr>
+          <p:cNvSpPr/>
+          <p:nvPr/>
+        </p:nvSpPr>
+        <p:spPr>
+          <a:xfrm>
+            <a:off x="2760079" y="2981208"/>
+            <a:ext cx="1834781" cy="226811"/>
+          </a:xfrm>
+          <a:prstGeom prst="rect">
+            <a:avLst/>
+          </a:prstGeom>
+          <a:noFill/>
+          <a:ln w="28575">
+            <a:solidFill>
+              <a:srgbClr val="FF0000"/>
+            </a:solidFill>
+          </a:ln>
+        </p:spPr>
+        <p:style>
+          <a:lnRef idx="2">
+            <a:schemeClr val="accent1">
+              <a:shade val="15000"/>
+            </a:schemeClr>
+          </a:lnRef>
+          <a:fillRef idx="1">
+            <a:schemeClr val="accent1"/>
+          </a:fillRef>
+          <a:effectRef idx="0">
+            <a:schemeClr val="accent1"/>
+          </a:effectRef>
+          <a:fontRef idx="minor">
+            <a:schemeClr val="lt1"/>
+          </a:fontRef>
+        </p:style>
+        <p:txBody>
+          <a:bodyPr rtlCol="0" anchor="ctr"/>
+          <a:lstStyle/>
+          <a:p>
+            <a:pPr algn="ctr"/>
+            <a:endParaRPr kumimoji="1" lang="ja-JP" altLang="en-US" dirty="0"/>
+          </a:p>
+        </p:txBody>
+      </p:sp>
+      <p:sp>
+        <p:nvSpPr>
+          <p:cNvPr id="11" name="正方形/長方形 10">
+            <a:extLst>
+              <a:ext uri="{FF2B5EF4-FFF2-40B4-BE49-F238E27FC236}">
+                <a16:creationId xmlns:a16="http://schemas.microsoft.com/office/drawing/2014/main" id="{39B96312-CFBD-2A65-742C-4A89B073BEE7}"/>
+              </a:ext>
+            </a:extLst>
+          </p:cNvPr>
+          <p:cNvSpPr/>
+          <p:nvPr/>
+        </p:nvSpPr>
+        <p:spPr>
+          <a:xfrm>
+            <a:off x="5777600" y="2055224"/>
+            <a:ext cx="5099406" cy="191588"/>
+          </a:xfrm>
+          <a:prstGeom prst="rect">
+            <a:avLst/>
+          </a:prstGeom>
+          <a:noFill/>
+          <a:ln w="28575">
+            <a:solidFill>
+              <a:srgbClr val="FF0000"/>
+            </a:solidFill>
+          </a:ln>
+        </p:spPr>
+        <p:style>
+          <a:lnRef idx="2">
+            <a:schemeClr val="accent1">
+              <a:shade val="15000"/>
+            </a:schemeClr>
+          </a:lnRef>
+          <a:fillRef idx="1">
+            <a:schemeClr val="accent1"/>
+          </a:fillRef>
+          <a:effectRef idx="0">
+            <a:schemeClr val="accent1"/>
+          </a:effectRef>
+          <a:fontRef idx="minor">
+            <a:schemeClr val="lt1"/>
+          </a:fontRef>
+        </p:style>
+        <p:txBody>
+          <a:bodyPr rtlCol="0" anchor="ctr"/>
+          <a:lstStyle/>
+          <a:p>
+            <a:pPr algn="ctr"/>
+            <a:endParaRPr kumimoji="1" lang="ja-JP" altLang="en-US" dirty="0"/>
+          </a:p>
+        </p:txBody>
+      </p:sp>
+      <p:sp>
+        <p:nvSpPr>
+          <p:cNvPr id="12" name="テキスト ボックス 11">
+            <a:extLst>
+              <a:ext uri="{FF2B5EF4-FFF2-40B4-BE49-F238E27FC236}">
+                <a16:creationId xmlns:a16="http://schemas.microsoft.com/office/drawing/2014/main" id="{542D6C74-2F8C-2D70-47FE-8C818D45866C}"/>
+              </a:ext>
+            </a:extLst>
+          </p:cNvPr>
+          <p:cNvSpPr txBox="1"/>
+          <p:nvPr/>
+        </p:nvSpPr>
+        <p:spPr>
+          <a:xfrm>
+            <a:off x="5538650" y="3892730"/>
+            <a:ext cx="5612923" cy="1631216"/>
+          </a:xfrm>
+          <a:prstGeom prst="rect">
+            <a:avLst/>
+          </a:prstGeom>
+          <a:noFill/>
+        </p:spPr>
+        <p:txBody>
+          <a:bodyPr wrap="square">
+            <a:spAutoFit/>
+          </a:bodyPr>
+          <a:lstStyle/>
+          <a:p>
+            <a:r>
+              <a:rPr lang="ja-JP" altLang="en-US" sz="2000" dirty="0"/>
+              <a:t>フォーク元はデフォルトで「</a:t>
+            </a:r>
+            <a:r>
+              <a:rPr lang="en-US" altLang="ja-JP" sz="2000" b="1" dirty="0"/>
+              <a:t>upstream</a:t>
+            </a:r>
+            <a:r>
+              <a:rPr lang="ja-JP" altLang="en-US" sz="2000" dirty="0"/>
+              <a:t>」という名前でリモートに追加されている。</a:t>
+            </a:r>
+            <a:endParaRPr lang="en-US" altLang="ja-JP" sz="2000" dirty="0"/>
+          </a:p>
+          <a:p>
+            <a:endParaRPr lang="en-US" altLang="ja-JP" sz="2000" dirty="0"/>
+          </a:p>
+          <a:p>
+            <a:r>
+              <a:rPr lang="ja-JP" altLang="en-US" sz="2000" dirty="0"/>
+              <a:t>フォーク先（自分のリポジトリ）のリモート名は「</a:t>
+            </a:r>
+            <a:r>
+              <a:rPr lang="en-US" altLang="ja-JP" sz="2000" b="1" dirty="0"/>
+              <a:t>origin</a:t>
+            </a:r>
+            <a:r>
+              <a:rPr lang="ja-JP" altLang="en-US" sz="2000" dirty="0"/>
+              <a:t>」。</a:t>
+            </a:r>
+          </a:p>
+        </p:txBody>
+      </p:sp>
+      <p:cxnSp>
+        <p:nvCxnSpPr>
+          <p:cNvPr id="13" name="直線コネクタ 12">
+            <a:extLst>
+              <a:ext uri="{FF2B5EF4-FFF2-40B4-BE49-F238E27FC236}">
+                <a16:creationId xmlns:a16="http://schemas.microsoft.com/office/drawing/2014/main" id="{27ED4362-CCB1-3ACB-923E-EFA17A4D6614}"/>
+              </a:ext>
+            </a:extLst>
+          </p:cNvPr>
+          <p:cNvCxnSpPr>
+            <a:cxnSpLocks/>
+          </p:cNvCxnSpPr>
+          <p:nvPr/>
+        </p:nvCxnSpPr>
+        <p:spPr>
+          <a:xfrm flipV="1">
+            <a:off x="7236823" y="2246812"/>
+            <a:ext cx="0" cy="1576250"/>
+          </a:xfrm>
+          <a:prstGeom prst="line">
+            <a:avLst/>
+          </a:prstGeom>
+          <a:ln w="19050">
+            <a:solidFill>
+              <a:srgbClr val="FF0000"/>
+            </a:solidFill>
+          </a:ln>
+        </p:spPr>
+        <p:style>
+          <a:lnRef idx="1">
+            <a:schemeClr val="accent1"/>
+          </a:lnRef>
+          <a:fillRef idx="0">
+            <a:schemeClr val="accent1"/>
+          </a:fillRef>
+          <a:effectRef idx="0">
+            <a:schemeClr val="accent1"/>
+          </a:effectRef>
+          <a:fontRef idx="minor">
+            <a:schemeClr val="tx1"/>
+          </a:fontRef>
+        </p:style>
+      </p:cxnSp>
+      <p:sp>
+        <p:nvSpPr>
+          <p:cNvPr id="14" name="二等辺三角形 13">
+            <a:extLst>
+              <a:ext uri="{FF2B5EF4-FFF2-40B4-BE49-F238E27FC236}">
+                <a16:creationId xmlns:a16="http://schemas.microsoft.com/office/drawing/2014/main" id="{5EAB2237-540D-4DF6-4F4C-0838ACFEE904}"/>
+              </a:ext>
+            </a:extLst>
+          </p:cNvPr>
+          <p:cNvSpPr/>
+          <p:nvPr/>
+        </p:nvSpPr>
+        <p:spPr>
+          <a:xfrm rot="5400000">
+            <a:off x="4630714" y="2212214"/>
+            <a:ext cx="1057275" cy="461665"/>
+          </a:xfrm>
+          <a:prstGeom prst="triangle">
+            <a:avLst/>
+          </a:prstGeom>
+          <a:solidFill>
+            <a:schemeClr val="tx1">
+              <a:lumMod val="65000"/>
+              <a:lumOff val="35000"/>
+            </a:schemeClr>
+          </a:solidFill>
+          <a:ln>
+            <a:noFill/>
+          </a:ln>
+        </p:spPr>
+        <p:style>
+          <a:lnRef idx="2">
+            <a:schemeClr val="accent1">
+              <a:shade val="15000"/>
+            </a:schemeClr>
+          </a:lnRef>
+          <a:fillRef idx="1">
+            <a:schemeClr val="accent1"/>
+          </a:fillRef>
+          <a:effectRef idx="0">
+            <a:schemeClr val="accent1"/>
+          </a:effectRef>
+          <a:fontRef idx="minor">
+            <a:schemeClr val="lt1"/>
+          </a:fontRef>
+        </p:style>
+        <p:txBody>
+          <a:bodyPr rtlCol="0" anchor="ctr"/>
+          <a:lstStyle/>
+          <a:p>
+            <a:pPr algn="ctr"/>
+            <a:endParaRPr kumimoji="1" lang="ja-JP" altLang="en-US"/>
+          </a:p>
+        </p:txBody>
+      </p:sp>
+    </p:spTree>
+    <p:extLst>
+      <p:ext uri="{BB962C8B-B14F-4D97-AF65-F5344CB8AC3E}">
+        <p14:creationId xmlns:p14="http://schemas.microsoft.com/office/powerpoint/2010/main" val="1202477954"/>
+      </p:ext>
+    </p:extLst>
+  </p:cSld>
+  <p:clrMapOvr>
+    <a:masterClrMapping/>
+  </p:clrMapOvr>
+</p:sld>
+</file>
+
+<file path=ppt/slides/slide18.xml><?xml version="1.0" encoding="utf-8"?>
+<p:sld xmlns:a="http://schemas.openxmlformats.org/drawingml/2006/main" xmlns:r="http://schemas.openxmlformats.org/officeDocument/2006/relationships" xmlns:p="http://schemas.openxmlformats.org/presentationml/2006/main">
+  <p:cSld>
+    <p:spTree>
+      <p:nvGrpSpPr>
+        <p:cNvPr id="1" name=""/>
+        <p:cNvGrpSpPr/>
+        <p:nvPr/>
+      </p:nvGrpSpPr>
+      <p:grpSpPr>
+        <a:xfrm>
+          <a:off x="0" y="0"/>
+          <a:ext cx="0" cy="0"/>
+          <a:chOff x="0" y="0"/>
+          <a:chExt cx="0" cy="0"/>
+        </a:xfrm>
+      </p:grpSpPr>
+      <p:sp>
+        <p:nvSpPr>
+          <p:cNvPr id="2" name="タイトル 1">
+            <a:extLst>
+              <a:ext uri="{FF2B5EF4-FFF2-40B4-BE49-F238E27FC236}">
+                <a16:creationId xmlns:a16="http://schemas.microsoft.com/office/drawing/2014/main" id="{BDFDE544-5663-6921-AE29-2B56FCCBB6B2}"/>
+              </a:ext>
+            </a:extLst>
+          </p:cNvPr>
+          <p:cNvSpPr>
+            <a:spLocks noGrp="1"/>
+          </p:cNvSpPr>
+          <p:nvPr>
+            <p:ph type="title"/>
+          </p:nvPr>
+        </p:nvSpPr>
+        <p:spPr/>
+        <p:txBody>
+          <a:bodyPr/>
+          <a:lstStyle/>
+          <a:p>
+            <a:r>
+              <a:rPr lang="ja-JP" altLang="en-US" dirty="0"/>
+              <a:t>フォーク元に対するフェッチ ③</a:t>
+            </a:r>
+            <a:endParaRPr kumimoji="1" lang="ja-JP" altLang="en-US" dirty="0"/>
+          </a:p>
+        </p:txBody>
+      </p:sp>
+      <p:pic>
+        <p:nvPicPr>
+          <p:cNvPr id="4" name="図 3">
+            <a:extLst>
+              <a:ext uri="{FF2B5EF4-FFF2-40B4-BE49-F238E27FC236}">
+                <a16:creationId xmlns:a16="http://schemas.microsoft.com/office/drawing/2014/main" id="{CAD5022F-93E9-8EC1-39AC-95043CAE5F62}"/>
+              </a:ext>
+            </a:extLst>
+          </p:cNvPr>
+          <p:cNvPicPr>
+            <a:picLocks noChangeAspect="1"/>
+          </p:cNvPicPr>
+          <p:nvPr/>
+        </p:nvPicPr>
+        <p:blipFill>
+          <a:blip r:embed="rId2">
+            <a:extLst>
+              <a:ext uri="{28A0092B-C50C-407E-A947-70E740481C1C}">
+                <a14:useLocalDpi xmlns:a14="http://schemas.microsoft.com/office/drawing/2010/main" val="0"/>
+              </a:ext>
+            </a:extLst>
+          </a:blip>
+          <a:srcRect b="51093"/>
+          <a:stretch/>
+        </p:blipFill>
+        <p:spPr>
+          <a:xfrm>
+            <a:off x="838199" y="2231255"/>
+            <a:ext cx="10078395" cy="3696788"/>
+          </a:xfrm>
+          <a:prstGeom prst="rect">
+            <a:avLst/>
+          </a:prstGeom>
+        </p:spPr>
+      </p:pic>
+      <p:sp>
+        <p:nvSpPr>
+          <p:cNvPr id="5" name="テキスト ボックス 4">
+            <a:extLst>
+              <a:ext uri="{FF2B5EF4-FFF2-40B4-BE49-F238E27FC236}">
+                <a16:creationId xmlns:a16="http://schemas.microsoft.com/office/drawing/2014/main" id="{59745F11-2671-9885-A56D-73F5F57D56C0}"/>
+              </a:ext>
+            </a:extLst>
+          </p:cNvPr>
+          <p:cNvSpPr txBox="1"/>
+          <p:nvPr/>
+        </p:nvSpPr>
+        <p:spPr>
+          <a:xfrm>
+            <a:off x="838199" y="1260639"/>
+            <a:ext cx="10515600" cy="830997"/>
+          </a:xfrm>
+          <a:prstGeom prst="rect">
+            <a:avLst/>
+          </a:prstGeom>
+          <a:noFill/>
+        </p:spPr>
+        <p:txBody>
+          <a:bodyPr wrap="square">
+            <a:spAutoFit/>
+          </a:bodyPr>
+          <a:lstStyle/>
+          <a:p>
+            <a:r>
+              <a:rPr lang="ja-JP" altLang="en-US" sz="2400" dirty="0"/>
+              <a:t>フェッチを行うと、 「</a:t>
+            </a:r>
+            <a:r>
+              <a:rPr lang="en-US" altLang="ja-JP" sz="2400" b="1" dirty="0"/>
+              <a:t>upstream/master</a:t>
+            </a:r>
+            <a:r>
+              <a:rPr lang="ja-JP" altLang="en-US" sz="2400" dirty="0"/>
+              <a:t>」という</a:t>
+            </a:r>
+            <a:r>
+              <a:rPr lang="ja-JP" altLang="en-US" sz="2400" b="1" dirty="0"/>
+              <a:t>リモート追跡ブランチ</a:t>
+            </a:r>
+            <a:r>
+              <a:rPr lang="ja-JP" altLang="en-US" sz="2400" dirty="0"/>
+              <a:t>が更新されていることが確認できる。</a:t>
+            </a:r>
+          </a:p>
+        </p:txBody>
+      </p:sp>
+      <p:sp>
+        <p:nvSpPr>
+          <p:cNvPr id="6" name="正方形/長方形 5">
+            <a:extLst>
+              <a:ext uri="{FF2B5EF4-FFF2-40B4-BE49-F238E27FC236}">
+                <a16:creationId xmlns:a16="http://schemas.microsoft.com/office/drawing/2014/main" id="{9C8E9112-E36B-2EFA-2615-9E0A479EEA00}"/>
+              </a:ext>
+            </a:extLst>
+          </p:cNvPr>
+          <p:cNvSpPr/>
+          <p:nvPr/>
+        </p:nvSpPr>
+        <p:spPr>
+          <a:xfrm>
+            <a:off x="4349394" y="3631472"/>
+            <a:ext cx="6567199" cy="226422"/>
+          </a:xfrm>
+          <a:prstGeom prst="rect">
+            <a:avLst/>
+          </a:prstGeom>
+          <a:noFill/>
+          <a:ln w="28575">
+            <a:solidFill>
+              <a:srgbClr val="FF0000"/>
+            </a:solidFill>
+          </a:ln>
+        </p:spPr>
+        <p:style>
+          <a:lnRef idx="2">
+            <a:schemeClr val="accent1">
+              <a:shade val="15000"/>
+            </a:schemeClr>
+          </a:lnRef>
+          <a:fillRef idx="1">
+            <a:schemeClr val="accent1"/>
+          </a:fillRef>
+          <a:effectRef idx="0">
+            <a:schemeClr val="accent1"/>
+          </a:effectRef>
+          <a:fontRef idx="minor">
+            <a:schemeClr val="lt1"/>
+          </a:fontRef>
+        </p:style>
+        <p:txBody>
+          <a:bodyPr rtlCol="0" anchor="ctr"/>
+          <a:lstStyle/>
+          <a:p>
+            <a:pPr algn="ctr"/>
+            <a:endParaRPr kumimoji="1" lang="ja-JP" altLang="en-US" dirty="0"/>
+          </a:p>
+        </p:txBody>
+      </p:sp>
+      <p:sp>
+        <p:nvSpPr>
+          <p:cNvPr id="7" name="テキスト ボックス 6">
+            <a:extLst>
+              <a:ext uri="{FF2B5EF4-FFF2-40B4-BE49-F238E27FC236}">
+                <a16:creationId xmlns:a16="http://schemas.microsoft.com/office/drawing/2014/main" id="{6C34AE01-2E84-65ED-A216-70845E3F4D34}"/>
+              </a:ext>
+            </a:extLst>
+          </p:cNvPr>
+          <p:cNvSpPr txBox="1"/>
+          <p:nvPr/>
+        </p:nvSpPr>
+        <p:spPr>
+          <a:xfrm>
+            <a:off x="3357353" y="5996373"/>
+            <a:ext cx="5040086" cy="461665"/>
+          </a:xfrm>
+          <a:prstGeom prst="rect">
+            <a:avLst/>
+          </a:prstGeom>
+          <a:noFill/>
+        </p:spPr>
+        <p:txBody>
+          <a:bodyPr wrap="square">
+            <a:spAutoFit/>
+          </a:bodyPr>
+          <a:lstStyle/>
+          <a:p>
+            <a:pPr algn="ctr"/>
+            <a:r>
+              <a:rPr lang="ja-JP" altLang="en-US" sz="2400" dirty="0"/>
+              <a:t>拡張機能「</a:t>
+            </a:r>
+            <a:r>
+              <a:rPr lang="en-US" altLang="ja-JP" sz="2400" dirty="0"/>
+              <a:t>Git Graph</a:t>
+            </a:r>
+            <a:r>
+              <a:rPr lang="ja-JP" altLang="en-US" sz="2400" dirty="0"/>
+              <a:t>」</a:t>
+            </a:r>
+            <a:r>
+              <a:rPr lang="en-US" altLang="ja-JP" sz="2400" dirty="0"/>
+              <a:t> </a:t>
+            </a:r>
+            <a:r>
+              <a:rPr lang="ja-JP" altLang="en-US" sz="2400" dirty="0"/>
+              <a:t>で見た場合</a:t>
+            </a:r>
+          </a:p>
+        </p:txBody>
+      </p:sp>
+    </p:spTree>
+    <p:extLst>
+      <p:ext uri="{BB962C8B-B14F-4D97-AF65-F5344CB8AC3E}">
+        <p14:creationId xmlns:p14="http://schemas.microsoft.com/office/powerpoint/2010/main" val="3253862952"/>
+      </p:ext>
+    </p:extLst>
+  </p:cSld>
+  <p:clrMapOvr>
+    <a:masterClrMapping/>
+  </p:clrMapOvr>
+</p:sld>
+</file>
+
+<file path=ppt/slides/slide19.xml><?xml version="1.0" encoding="utf-8"?>
+<p:sld xmlns:a="http://schemas.openxmlformats.org/drawingml/2006/main" xmlns:r="http://schemas.openxmlformats.org/officeDocument/2006/relationships" xmlns:p="http://schemas.openxmlformats.org/presentationml/2006/main">
+  <p:cSld>
+    <p:spTree>
+      <p:nvGrpSpPr>
+        <p:cNvPr id="1" name=""/>
+        <p:cNvGrpSpPr/>
+        <p:nvPr/>
+      </p:nvGrpSpPr>
+      <p:grpSpPr>
+        <a:xfrm>
+          <a:off x="0" y="0"/>
+          <a:ext cx="0" cy="0"/>
+          <a:chOff x="0" y="0"/>
+          <a:chExt cx="0" cy="0"/>
+        </a:xfrm>
+      </p:grpSpPr>
+      <p:sp>
+        <p:nvSpPr>
+          <p:cNvPr id="2" name="タイトル 1">
+            <a:extLst>
+              <a:ext uri="{FF2B5EF4-FFF2-40B4-BE49-F238E27FC236}">
+                <a16:creationId xmlns:a16="http://schemas.microsoft.com/office/drawing/2014/main" id="{FAC87F11-8E41-74D6-3B30-016D99C3430F}"/>
+              </a:ext>
+            </a:extLst>
+          </p:cNvPr>
+          <p:cNvSpPr>
+            <a:spLocks noGrp="1"/>
+          </p:cNvSpPr>
+          <p:nvPr>
+            <p:ph type="title"/>
+          </p:nvPr>
+        </p:nvSpPr>
+        <p:spPr/>
+        <p:txBody>
+          <a:bodyPr/>
+          <a:lstStyle/>
+          <a:p>
+            <a:r>
+              <a:rPr kumimoji="1" lang="ja-JP" altLang="en-US" dirty="0"/>
+              <a:t>リモート追跡ブランチのマージ</a:t>
+            </a:r>
+          </a:p>
+        </p:txBody>
+      </p:sp>
+      <p:pic>
+        <p:nvPicPr>
+          <p:cNvPr id="4" name="図 3">
+            <a:extLst>
+              <a:ext uri="{FF2B5EF4-FFF2-40B4-BE49-F238E27FC236}">
+                <a16:creationId xmlns:a16="http://schemas.microsoft.com/office/drawing/2014/main" id="{F9232472-1545-F2F9-F1C9-AA497E7B71B7}"/>
+              </a:ext>
+            </a:extLst>
+          </p:cNvPr>
+          <p:cNvPicPr>
+            <a:picLocks noChangeAspect="1"/>
+          </p:cNvPicPr>
+          <p:nvPr/>
+        </p:nvPicPr>
+        <p:blipFill>
+          <a:blip r:embed="rId3">
+            <a:extLst>
+              <a:ext uri="{28A0092B-C50C-407E-A947-70E740481C1C}">
+                <a14:useLocalDpi xmlns:a14="http://schemas.microsoft.com/office/drawing/2010/main" val="0"/>
+              </a:ext>
+            </a:extLst>
+          </a:blip>
+          <a:srcRect l="-114" t="263" r="22223" b="18667"/>
+          <a:stretch/>
+        </p:blipFill>
+        <p:spPr>
+          <a:xfrm>
+            <a:off x="367937" y="2074218"/>
+            <a:ext cx="5728063" cy="4481580"/>
+          </a:xfrm>
+          <a:prstGeom prst="rect">
+            <a:avLst/>
+          </a:prstGeom>
+        </p:spPr>
+      </p:pic>
+      <p:sp>
+        <p:nvSpPr>
+          <p:cNvPr id="5" name="正方形/長方形 4">
+            <a:extLst>
+              <a:ext uri="{FF2B5EF4-FFF2-40B4-BE49-F238E27FC236}">
+                <a16:creationId xmlns:a16="http://schemas.microsoft.com/office/drawing/2014/main" id="{5B707FC7-417C-8BA4-83AF-521F3F01CCA7}"/>
+              </a:ext>
+            </a:extLst>
+          </p:cNvPr>
+          <p:cNvSpPr/>
+          <p:nvPr/>
+        </p:nvSpPr>
+        <p:spPr>
+          <a:xfrm>
+            <a:off x="2747018" y="4578949"/>
+            <a:ext cx="1990446" cy="226422"/>
+          </a:xfrm>
+          <a:prstGeom prst="rect">
+            <a:avLst/>
+          </a:prstGeom>
+          <a:noFill/>
+          <a:ln w="28575">
+            <a:solidFill>
+              <a:srgbClr val="FF0000"/>
+            </a:solidFill>
+          </a:ln>
+        </p:spPr>
+        <p:style>
+          <a:lnRef idx="2">
+            <a:schemeClr val="accent1">
+              <a:shade val="15000"/>
+            </a:schemeClr>
+          </a:lnRef>
+          <a:fillRef idx="1">
+            <a:schemeClr val="accent1"/>
+          </a:fillRef>
+          <a:effectRef idx="0">
+            <a:schemeClr val="accent1"/>
+          </a:effectRef>
+          <a:fontRef idx="minor">
+            <a:schemeClr val="lt1"/>
+          </a:fontRef>
+        </p:style>
+        <p:txBody>
+          <a:bodyPr rtlCol="0" anchor="ctr"/>
+          <a:lstStyle/>
+          <a:p>
+            <a:pPr algn="ctr"/>
+            <a:endParaRPr kumimoji="1" lang="ja-JP" altLang="en-US" dirty="0"/>
+          </a:p>
+        </p:txBody>
+      </p:sp>
+      <p:sp>
+        <p:nvSpPr>
+          <p:cNvPr id="6" name="正方形/長方形 5">
+            <a:extLst>
+              <a:ext uri="{FF2B5EF4-FFF2-40B4-BE49-F238E27FC236}">
+                <a16:creationId xmlns:a16="http://schemas.microsoft.com/office/drawing/2014/main" id="{5B1FF033-A642-FD61-D48D-88384AC7D681}"/>
+              </a:ext>
+            </a:extLst>
+          </p:cNvPr>
+          <p:cNvSpPr/>
+          <p:nvPr/>
+        </p:nvSpPr>
+        <p:spPr>
+          <a:xfrm>
+            <a:off x="4789176" y="4578949"/>
+            <a:ext cx="1141361" cy="226422"/>
+          </a:xfrm>
+          <a:prstGeom prst="rect">
+            <a:avLst/>
+          </a:prstGeom>
+          <a:noFill/>
+          <a:ln w="28575">
+            <a:solidFill>
+              <a:srgbClr val="FF0000"/>
+            </a:solidFill>
+          </a:ln>
+        </p:spPr>
+        <p:style>
+          <a:lnRef idx="2">
+            <a:schemeClr val="accent1">
+              <a:shade val="15000"/>
+            </a:schemeClr>
+          </a:lnRef>
+          <a:fillRef idx="1">
+            <a:schemeClr val="accent1"/>
+          </a:fillRef>
+          <a:effectRef idx="0">
+            <a:schemeClr val="accent1"/>
+          </a:effectRef>
+          <a:fontRef idx="minor">
+            <a:schemeClr val="lt1"/>
+          </a:fontRef>
+        </p:style>
+        <p:txBody>
+          <a:bodyPr rtlCol="0" anchor="ctr"/>
+          <a:lstStyle/>
+          <a:p>
+            <a:pPr algn="ctr"/>
+            <a:endParaRPr kumimoji="1" lang="ja-JP" altLang="en-US" dirty="0"/>
+          </a:p>
+        </p:txBody>
+      </p:sp>
+      <p:sp>
+        <p:nvSpPr>
+          <p:cNvPr id="7" name="テキスト ボックス 6">
+            <a:extLst>
+              <a:ext uri="{FF2B5EF4-FFF2-40B4-BE49-F238E27FC236}">
+                <a16:creationId xmlns:a16="http://schemas.microsoft.com/office/drawing/2014/main" id="{E3E6A0B0-E708-743A-FD6E-9541540A39FC}"/>
+              </a:ext>
+            </a:extLst>
+          </p:cNvPr>
+          <p:cNvSpPr txBox="1"/>
+          <p:nvPr/>
+        </p:nvSpPr>
+        <p:spPr>
+          <a:xfrm>
+            <a:off x="838199" y="1156135"/>
+            <a:ext cx="10515600" cy="830997"/>
+          </a:xfrm>
+          <a:prstGeom prst="rect">
+            <a:avLst/>
+          </a:prstGeom>
+          <a:noFill/>
+        </p:spPr>
+        <p:txBody>
+          <a:bodyPr wrap="square">
+            <a:spAutoFit/>
+          </a:bodyPr>
+          <a:lstStyle/>
+          <a:p>
+            <a:r>
+              <a:rPr lang="ja-JP" altLang="en-US" sz="2400" dirty="0"/>
+              <a:t>フェッチはリモート追跡ブランチを更新するだけ。</a:t>
+            </a:r>
+            <a:endParaRPr lang="en-US" altLang="ja-JP" sz="2400" dirty="0"/>
+          </a:p>
+          <a:p>
+            <a:r>
+              <a:rPr lang="ja-JP" altLang="en-US" sz="2400" dirty="0"/>
+              <a:t>ローカルの「</a:t>
+            </a:r>
+            <a:r>
+              <a:rPr lang="en-US" altLang="ja-JP" sz="2400" dirty="0"/>
+              <a:t>master</a:t>
+            </a:r>
+            <a:r>
+              <a:rPr lang="ja-JP" altLang="en-US" sz="2400" dirty="0"/>
+              <a:t>」に反映するにはマージが必要。</a:t>
+            </a:r>
+            <a:endParaRPr lang="en-US" altLang="ja-JP" sz="2400" dirty="0"/>
+          </a:p>
+        </p:txBody>
+      </p:sp>
+      <p:sp>
+        <p:nvSpPr>
+          <p:cNvPr id="10" name="正方形/長方形 9">
+            <a:extLst>
+              <a:ext uri="{FF2B5EF4-FFF2-40B4-BE49-F238E27FC236}">
+                <a16:creationId xmlns:a16="http://schemas.microsoft.com/office/drawing/2014/main" id="{295187FB-14F6-C294-38FE-4388604DA857}"/>
+              </a:ext>
+            </a:extLst>
+          </p:cNvPr>
+          <p:cNvSpPr/>
+          <p:nvPr/>
+        </p:nvSpPr>
+        <p:spPr>
+          <a:xfrm>
+            <a:off x="2747018" y="2575973"/>
+            <a:ext cx="161645" cy="141099"/>
+          </a:xfrm>
+          <a:prstGeom prst="rect">
+            <a:avLst/>
+          </a:prstGeom>
+          <a:noFill/>
+          <a:ln w="28575">
+            <a:solidFill>
+              <a:srgbClr val="FF0000"/>
+            </a:solidFill>
+          </a:ln>
+        </p:spPr>
+        <p:style>
+          <a:lnRef idx="2">
+            <a:schemeClr val="accent1">
+              <a:shade val="15000"/>
+            </a:schemeClr>
+          </a:lnRef>
+          <a:fillRef idx="1">
+            <a:schemeClr val="accent1"/>
+          </a:fillRef>
+          <a:effectRef idx="0">
+            <a:schemeClr val="accent1"/>
+          </a:effectRef>
+          <a:fontRef idx="minor">
+            <a:schemeClr val="lt1"/>
+          </a:fontRef>
+        </p:style>
+        <p:txBody>
+          <a:bodyPr rtlCol="0" anchor="ctr"/>
+          <a:lstStyle/>
+          <a:p>
+            <a:pPr algn="ctr"/>
+            <a:endParaRPr kumimoji="1" lang="ja-JP" altLang="en-US" dirty="0"/>
+          </a:p>
+        </p:txBody>
+      </p:sp>
+      <p:pic>
+        <p:nvPicPr>
+          <p:cNvPr id="12" name="図 11">
+            <a:extLst>
+              <a:ext uri="{FF2B5EF4-FFF2-40B4-BE49-F238E27FC236}">
+                <a16:creationId xmlns:a16="http://schemas.microsoft.com/office/drawing/2014/main" id="{ED32CA16-A426-B6D0-AE12-65DB19F2DF5C}"/>
+              </a:ext>
+            </a:extLst>
+          </p:cNvPr>
+          <p:cNvPicPr>
+            <a:picLocks noChangeAspect="1"/>
+          </p:cNvPicPr>
+          <p:nvPr/>
+        </p:nvPicPr>
+        <p:blipFill>
+          <a:blip r:embed="rId4">
+            <a:extLst>
+              <a:ext uri="{28A0092B-C50C-407E-A947-70E740481C1C}">
+                <a14:useLocalDpi xmlns:a14="http://schemas.microsoft.com/office/drawing/2010/main" val="0"/>
+              </a:ext>
+            </a:extLst>
+          </a:blip>
+          <a:srcRect l="18858" r="19393" b="80317"/>
+          <a:stretch/>
+        </p:blipFill>
+        <p:spPr>
+          <a:xfrm>
+            <a:off x="6261460" y="2074218"/>
+            <a:ext cx="5646410" cy="1349829"/>
+          </a:xfrm>
+          <a:prstGeom prst="rect">
+            <a:avLst/>
+          </a:prstGeom>
+        </p:spPr>
+      </p:pic>
+      <p:sp>
+        <p:nvSpPr>
+          <p:cNvPr id="13" name="正方形/長方形 12">
+            <a:extLst>
+              <a:ext uri="{FF2B5EF4-FFF2-40B4-BE49-F238E27FC236}">
+                <a16:creationId xmlns:a16="http://schemas.microsoft.com/office/drawing/2014/main" id="{C7129586-5AE1-4B45-8450-131F2900ED94}"/>
+              </a:ext>
+            </a:extLst>
+          </p:cNvPr>
+          <p:cNvSpPr/>
+          <p:nvPr/>
+        </p:nvSpPr>
+        <p:spPr>
+          <a:xfrm>
+            <a:off x="6465577" y="2692658"/>
+            <a:ext cx="5358486" cy="226422"/>
+          </a:xfrm>
+          <a:prstGeom prst="rect">
+            <a:avLst/>
+          </a:prstGeom>
+          <a:noFill/>
+          <a:ln w="28575">
+            <a:solidFill>
+              <a:srgbClr val="FF0000"/>
+            </a:solidFill>
+          </a:ln>
+        </p:spPr>
+        <p:style>
+          <a:lnRef idx="2">
+            <a:schemeClr val="accent1">
+              <a:shade val="15000"/>
+            </a:schemeClr>
+          </a:lnRef>
+          <a:fillRef idx="1">
+            <a:schemeClr val="accent1"/>
+          </a:fillRef>
+          <a:effectRef idx="0">
+            <a:schemeClr val="accent1"/>
+          </a:effectRef>
+          <a:fontRef idx="minor">
+            <a:schemeClr val="lt1"/>
+          </a:fontRef>
+        </p:style>
+        <p:txBody>
+          <a:bodyPr rtlCol="0" anchor="ctr"/>
+          <a:lstStyle/>
+          <a:p>
+            <a:pPr algn="ctr"/>
+            <a:endParaRPr kumimoji="1" lang="ja-JP" altLang="en-US" dirty="0"/>
+          </a:p>
+        </p:txBody>
+      </p:sp>
+    </p:spTree>
+    <p:extLst>
+      <p:ext uri="{BB962C8B-B14F-4D97-AF65-F5344CB8AC3E}">
+        <p14:creationId xmlns:p14="http://schemas.microsoft.com/office/powerpoint/2010/main" val="3856202236"/>
+      </p:ext>
+    </p:extLst>
+  </p:cSld>
+  <p:clrMapOvr>
+    <a:masterClrMapping/>
+  </p:clrMapOvr>
+</p:sld>
+</file>
+
 <file path=ppt/slides/slide2.xml><?xml version="1.0" encoding="utf-8"?>
 <p:sld xmlns:a="http://schemas.openxmlformats.org/drawingml/2006/main" xmlns:r="http://schemas.openxmlformats.org/officeDocument/2006/relationships" xmlns:p="http://schemas.openxmlformats.org/presentationml/2006/main">
   <p:cSld>
@@ -6781,6 +8333,290 @@
     <p:extLst>
       <p:ext uri="{BB962C8B-B14F-4D97-AF65-F5344CB8AC3E}">
         <p14:creationId xmlns:p14="http://schemas.microsoft.com/office/powerpoint/2010/main" val="2707441482"/>
+      </p:ext>
+    </p:extLst>
+  </p:cSld>
+  <p:clrMapOvr>
+    <a:masterClrMapping/>
+  </p:clrMapOvr>
+</p:sld>
+</file>
+
+<file path=ppt/slides/slide20.xml><?xml version="1.0" encoding="utf-8"?>
+<p:sld xmlns:a="http://schemas.openxmlformats.org/drawingml/2006/main" xmlns:r="http://schemas.openxmlformats.org/officeDocument/2006/relationships" xmlns:p="http://schemas.openxmlformats.org/presentationml/2006/main">
+  <p:cSld>
+    <p:spTree>
+      <p:nvGrpSpPr>
+        <p:cNvPr id="1" name=""/>
+        <p:cNvGrpSpPr/>
+        <p:nvPr/>
+      </p:nvGrpSpPr>
+      <p:grpSpPr>
+        <a:xfrm>
+          <a:off x="0" y="0"/>
+          <a:ext cx="0" cy="0"/>
+          <a:chOff x="0" y="0"/>
+          <a:chExt cx="0" cy="0"/>
+        </a:xfrm>
+      </p:grpSpPr>
+      <p:sp>
+        <p:nvSpPr>
+          <p:cNvPr id="2" name="タイトル 1">
+            <a:extLst>
+              <a:ext uri="{FF2B5EF4-FFF2-40B4-BE49-F238E27FC236}">
+                <a16:creationId xmlns:a16="http://schemas.microsoft.com/office/drawing/2014/main" id="{A351B68B-5457-DA6E-CB84-0C3229A186D0}"/>
+              </a:ext>
+            </a:extLst>
+          </p:cNvPr>
+          <p:cNvSpPr>
+            <a:spLocks noGrp="1"/>
+          </p:cNvSpPr>
+          <p:nvPr>
+            <p:ph type="title"/>
+          </p:nvPr>
+        </p:nvSpPr>
+        <p:spPr/>
+        <p:txBody>
+          <a:bodyPr/>
+          <a:lstStyle/>
+          <a:p>
+            <a:r>
+              <a:rPr kumimoji="1" lang="ja-JP" altLang="en-US" dirty="0"/>
+              <a:t>フォーク先のリモートへのプッシュ</a:t>
+            </a:r>
+          </a:p>
+        </p:txBody>
+      </p:sp>
+      <p:pic>
+        <p:nvPicPr>
+          <p:cNvPr id="4" name="図 3">
+            <a:extLst>
+              <a:ext uri="{FF2B5EF4-FFF2-40B4-BE49-F238E27FC236}">
+                <a16:creationId xmlns:a16="http://schemas.microsoft.com/office/drawing/2014/main" id="{DFDA5744-FF80-89A3-77C3-D6B5D7D9C622}"/>
+              </a:ext>
+            </a:extLst>
+          </p:cNvPr>
+          <p:cNvPicPr>
+            <a:picLocks noChangeAspect="1"/>
+          </p:cNvPicPr>
+          <p:nvPr/>
+        </p:nvPicPr>
+        <p:blipFill>
+          <a:blip r:embed="rId2">
+            <a:extLst>
+              <a:ext uri="{28A0092B-C50C-407E-A947-70E740481C1C}">
+                <a14:useLocalDpi xmlns:a14="http://schemas.microsoft.com/office/drawing/2010/main" val="0"/>
+              </a:ext>
+            </a:extLst>
+          </a:blip>
+          <a:srcRect b="68508"/>
+          <a:stretch/>
+        </p:blipFill>
+        <p:spPr>
+          <a:xfrm>
+            <a:off x="838200" y="1802674"/>
+            <a:ext cx="9144000" cy="2159725"/>
+          </a:xfrm>
+          <a:prstGeom prst="rect">
+            <a:avLst/>
+          </a:prstGeom>
+        </p:spPr>
+      </p:pic>
+      <p:pic>
+        <p:nvPicPr>
+          <p:cNvPr id="6" name="図 5">
+            <a:extLst>
+              <a:ext uri="{FF2B5EF4-FFF2-40B4-BE49-F238E27FC236}">
+                <a16:creationId xmlns:a16="http://schemas.microsoft.com/office/drawing/2014/main" id="{D63E1AC2-23F6-5E46-0458-D07CBD20B6E4}"/>
+              </a:ext>
+            </a:extLst>
+          </p:cNvPr>
+          <p:cNvPicPr>
+            <a:picLocks noChangeAspect="1"/>
+          </p:cNvPicPr>
+          <p:nvPr/>
+        </p:nvPicPr>
+        <p:blipFill>
+          <a:blip r:embed="rId3">
+            <a:extLst>
+              <a:ext uri="{28A0092B-C50C-407E-A947-70E740481C1C}">
+                <a14:useLocalDpi xmlns:a14="http://schemas.microsoft.com/office/drawing/2010/main" val="0"/>
+              </a:ext>
+            </a:extLst>
+          </a:blip>
+          <a:srcRect b="66857"/>
+          <a:stretch/>
+        </p:blipFill>
+        <p:spPr>
+          <a:xfrm>
+            <a:off x="838200" y="4145279"/>
+            <a:ext cx="9144000" cy="2272937"/>
+          </a:xfrm>
+          <a:prstGeom prst="rect">
+            <a:avLst/>
+          </a:prstGeom>
+        </p:spPr>
+      </p:pic>
+      <p:sp>
+        <p:nvSpPr>
+          <p:cNvPr id="7" name="正方形/長方形 6">
+            <a:extLst>
+              <a:ext uri="{FF2B5EF4-FFF2-40B4-BE49-F238E27FC236}">
+                <a16:creationId xmlns:a16="http://schemas.microsoft.com/office/drawing/2014/main" id="{C00F1EA3-CBB4-8573-75CB-D77E642E1562}"/>
+              </a:ext>
+            </a:extLst>
+          </p:cNvPr>
+          <p:cNvSpPr/>
+          <p:nvPr/>
+        </p:nvSpPr>
+        <p:spPr>
+          <a:xfrm>
+            <a:off x="1423314" y="2973976"/>
+            <a:ext cx="2478126" cy="274319"/>
+          </a:xfrm>
+          <a:prstGeom prst="rect">
+            <a:avLst/>
+          </a:prstGeom>
+          <a:noFill/>
+          <a:ln w="28575">
+            <a:solidFill>
+              <a:srgbClr val="FF0000"/>
+            </a:solidFill>
+          </a:ln>
+        </p:spPr>
+        <p:style>
+          <a:lnRef idx="2">
+            <a:schemeClr val="accent1">
+              <a:shade val="15000"/>
+            </a:schemeClr>
+          </a:lnRef>
+          <a:fillRef idx="1">
+            <a:schemeClr val="accent1"/>
+          </a:fillRef>
+          <a:effectRef idx="0">
+            <a:schemeClr val="accent1"/>
+          </a:effectRef>
+          <a:fontRef idx="minor">
+            <a:schemeClr val="lt1"/>
+          </a:fontRef>
+        </p:style>
+        <p:txBody>
+          <a:bodyPr rtlCol="0" anchor="ctr"/>
+          <a:lstStyle/>
+          <a:p>
+            <a:pPr algn="ctr"/>
+            <a:endParaRPr kumimoji="1" lang="ja-JP" altLang="en-US" dirty="0"/>
+          </a:p>
+        </p:txBody>
+      </p:sp>
+      <p:sp>
+        <p:nvSpPr>
+          <p:cNvPr id="8" name="正方形/長方形 7">
+            <a:extLst>
+              <a:ext uri="{FF2B5EF4-FFF2-40B4-BE49-F238E27FC236}">
+                <a16:creationId xmlns:a16="http://schemas.microsoft.com/office/drawing/2014/main" id="{1DADCDD7-E8B7-6289-986E-74924D8FE262}"/>
+              </a:ext>
+            </a:extLst>
+          </p:cNvPr>
+          <p:cNvSpPr/>
+          <p:nvPr/>
+        </p:nvSpPr>
+        <p:spPr>
+          <a:xfrm>
+            <a:off x="4023361" y="5388428"/>
+            <a:ext cx="3744686" cy="274319"/>
+          </a:xfrm>
+          <a:prstGeom prst="rect">
+            <a:avLst/>
+          </a:prstGeom>
+          <a:noFill/>
+          <a:ln w="28575">
+            <a:solidFill>
+              <a:srgbClr val="FF0000"/>
+            </a:solidFill>
+          </a:ln>
+        </p:spPr>
+        <p:style>
+          <a:lnRef idx="2">
+            <a:schemeClr val="accent1">
+              <a:shade val="15000"/>
+            </a:schemeClr>
+          </a:lnRef>
+          <a:fillRef idx="1">
+            <a:schemeClr val="accent1"/>
+          </a:fillRef>
+          <a:effectRef idx="0">
+            <a:schemeClr val="accent1"/>
+          </a:effectRef>
+          <a:fontRef idx="minor">
+            <a:schemeClr val="lt1"/>
+          </a:fontRef>
+        </p:style>
+        <p:txBody>
+          <a:bodyPr rtlCol="0" anchor="ctr"/>
+          <a:lstStyle/>
+          <a:p>
+            <a:pPr algn="ctr"/>
+            <a:endParaRPr kumimoji="1" lang="ja-JP" altLang="en-US" dirty="0"/>
+          </a:p>
+        </p:txBody>
+      </p:sp>
+      <p:sp>
+        <p:nvSpPr>
+          <p:cNvPr id="9" name="テキスト ボックス 8">
+            <a:extLst>
+              <a:ext uri="{FF2B5EF4-FFF2-40B4-BE49-F238E27FC236}">
+                <a16:creationId xmlns:a16="http://schemas.microsoft.com/office/drawing/2014/main" id="{0F744AF3-7BEF-26E6-07AE-1F8CFA840B1A}"/>
+              </a:ext>
+            </a:extLst>
+          </p:cNvPr>
+          <p:cNvSpPr txBox="1"/>
+          <p:nvPr/>
+        </p:nvSpPr>
+        <p:spPr>
+          <a:xfrm>
+            <a:off x="838199" y="1156135"/>
+            <a:ext cx="10515600" cy="461665"/>
+          </a:xfrm>
+          <a:prstGeom prst="rect">
+            <a:avLst/>
+          </a:prstGeom>
+          <a:noFill/>
+        </p:spPr>
+        <p:txBody>
+          <a:bodyPr wrap="square">
+            <a:spAutoFit/>
+          </a:bodyPr>
+          <a:lstStyle/>
+          <a:p>
+            <a:r>
+              <a:rPr lang="ja-JP" altLang="en-US" sz="2400" dirty="0"/>
+              <a:t>最後にローカルの「</a:t>
+            </a:r>
+            <a:r>
+              <a:rPr lang="en-US" altLang="ja-JP" sz="2400" dirty="0"/>
+              <a:t>master</a:t>
+            </a:r>
+            <a:r>
+              <a:rPr lang="ja-JP" altLang="en-US" sz="2400" dirty="0"/>
+              <a:t>」の変更を「</a:t>
+            </a:r>
+            <a:r>
+              <a:rPr lang="en-US" altLang="ja-JP" sz="2400" dirty="0"/>
+              <a:t>origin</a:t>
+            </a:r>
+            <a:r>
+              <a:rPr lang="ja-JP" altLang="en-US" sz="2400" dirty="0"/>
+              <a:t>」にプッシュ。</a:t>
+            </a:r>
+            <a:endParaRPr lang="en-US" altLang="ja-JP" sz="2400" dirty="0"/>
+          </a:p>
+        </p:txBody>
+      </p:sp>
+    </p:spTree>
+    <p:extLst>
+      <p:ext uri="{BB962C8B-B14F-4D97-AF65-F5344CB8AC3E}">
+        <p14:creationId xmlns:p14="http://schemas.microsoft.com/office/powerpoint/2010/main" val="359603874"/>
       </p:ext>
     </p:extLst>
   </p:cSld>
